--- a/vagrant.pptx
+++ b/vagrant.pptx
@@ -1789,14 +1789,6 @@
           <a:bodyPr/>
           <a:lstStyle/>
           <a:p>
-            <a:r>
-              <a:rPr lang="bg-BG" dirty="0" smtClean="0"/>
-              <a:t>!</a:t>
-            </a:r>
-            <a:r>
-              <a:rPr lang="bg-BG" baseline="0" dirty="0" smtClean="0"/>
-              <a:t> Пример с файл и машина как става</a:t>
-            </a:r>
             <a:endParaRPr lang="en-US" dirty="0"/>
           </a:p>
         </p:txBody>
@@ -2739,11 +2731,7 @@
             </a:r>
             <a:r>
               <a:rPr lang="bg-BG" baseline="0" dirty="0" smtClean="0"/>
-              <a:t> </a:t>
-            </a:r>
-            <a:r>
-              <a:rPr lang="bg-BG" baseline="0" dirty="0" smtClean="0"/>
-              <a:t>се към проект</a:t>
+              <a:t> се към проект</a:t>
             </a:r>
           </a:p>
         </p:txBody>
@@ -3065,11 +3053,7 @@
             </a:r>
             <a:r>
               <a:rPr lang="en-US" dirty="0" smtClean="0"/>
-              <a:t> </a:t>
-            </a:r>
-            <a:r>
-              <a:rPr lang="en-US" dirty="0" smtClean="0"/>
-              <a:t>file </a:t>
+              <a:t> file </a:t>
             </a:r>
             <a:r>
               <a:rPr lang="bg-BG" dirty="0" smtClean="0"/>
@@ -10158,9 +10142,10 @@
               <a:buChar char="•"/>
             </a:pPr>
             <a:r>
-              <a:rPr lang="en-US" sz="3200" dirty="0" smtClean="0"/>
-              <a:t>Chef</a:t>
-            </a:r>
+              <a:rPr lang="en-US" sz="3200" dirty="0"/>
+              <a:t>Puppet </a:t>
+            </a:r>
+            <a:endParaRPr lang="en-US" sz="3200" dirty="0" smtClean="0"/>
           </a:p>
           <a:p>
             <a:pPr marL="285750" indent="-285750">
@@ -10172,8 +10157,9 @@
             </a:pPr>
             <a:r>
               <a:rPr lang="en-US" sz="3200" dirty="0" smtClean="0"/>
-              <a:t>Puppet</a:t>
-            </a:r>
+              <a:t>Chef</a:t>
+            </a:r>
+            <a:endParaRPr lang="en-US" sz="3200" dirty="0" smtClean="0"/>
           </a:p>
           <a:p>
             <a:pPr marL="285750" indent="-285750">
@@ -10804,7 +10790,7 @@
               <a:rPr lang="en-US" sz="2800" spc="600" dirty="0" smtClean="0">
                 <a:latin typeface="+mj-lt"/>
               </a:rPr>
-              <a:t>The big example</a:t>
+              <a:t>Multi machine</a:t>
             </a:r>
             <a:endParaRPr lang="en-US" sz="2800" spc="600" dirty="0">
               <a:latin typeface="+mj-lt"/>
@@ -10814,7 +10800,7 @@
       </p:sp>
       <p:pic>
         <p:nvPicPr>
-          <p:cNvPr id="2" name="Picture 1"/>
+          <p:cNvPr id="3" name="Picture 2"/>
           <p:cNvPicPr>
             <a:picLocks noChangeAspect="1"/>
           </p:cNvPicPr>
@@ -10834,8 +10820,8 @@
         </p:blipFill>
         <p:spPr>
           <a:xfrm>
-            <a:off x="4046627" y="2055384"/>
-            <a:ext cx="4431329" cy="4802616"/>
+            <a:off x="2519892" y="2275769"/>
+            <a:ext cx="6000750" cy="2419350"/>
           </a:xfrm>
           <a:prstGeom prst="rect">
             <a:avLst/>
